--- a/Intro/intro.pptx
+++ b/Intro/intro.pptx
@@ -15,7 +15,7 @@
     <p:sldId id="288" r:id="rId3"/>
     <p:sldId id="290" r:id="rId4"/>
     <p:sldId id="292" r:id="rId5"/>
-    <p:sldId id="293" r:id="rId6"/>
+    <p:sldId id="297" r:id="rId6"/>
     <p:sldId id="294" r:id="rId7"/>
     <p:sldId id="296" r:id="rId8"/>
   </p:sldIdLst>
@@ -260,7 +260,7 @@
             <a:fld id="{11263177-940D-4B97-A051-92805C7C3152}" type="datetimeFigureOut">
               <a:rPr lang="en-US" smtClean="0"/>
               <a:pPr/>
-              <a:t>9/6/16</a:t>
+              <a:t>9/8/16</a:t>
             </a:fld>
             <a:endParaRPr lang="en-US"/>
           </a:p>
@@ -427,7 +427,7 @@
             <a:fld id="{F138B54E-4A02-452E-ADC8-FC4AE631CF37}" type="datetimeFigureOut">
               <a:rPr lang="en-US" smtClean="0"/>
               <a:pPr/>
-              <a:t>9/6/16</a:t>
+              <a:t>9/8/16</a:t>
             </a:fld>
             <a:endParaRPr lang="en-US"/>
           </a:p>
@@ -1100,7 +1100,7 @@
     </p:spTree>
     <p:extLst>
       <p:ext uri="{BB962C8B-B14F-4D97-AF65-F5344CB8AC3E}">
-        <p14:creationId xmlns:p14="http://schemas.microsoft.com/office/powerpoint/2010/main" val="349954336"/>
+        <p14:creationId xmlns:p14="http://schemas.microsoft.com/office/powerpoint/2010/main" val="1004133627"/>
       </p:ext>
     </p:extLst>
   </p:cSld>
@@ -9106,11 +9106,6 @@
               </a:rPr>
               <a:t>Ruud Puts &amp; Stefan Renne</a:t>
             </a:r>
-            <a:endParaRPr lang="nl-NL" dirty="0" smtClean="0">
-              <a:solidFill>
-                <a:srgbClr val="353535"/>
-              </a:solidFill>
-            </a:endParaRPr>
           </a:p>
           <a:p>
             <a:pPr>
@@ -9567,7 +9562,6 @@
               <a:rPr lang="nl-NL" dirty="0" smtClean="0"/>
               <a:t> </a:t>
             </a:r>
-            <a:endParaRPr lang="nl-NL" dirty="0" smtClean="0"/>
           </a:p>
           <a:p>
             <a:pPr marL="342900" lvl="1" indent="-342900">
@@ -9696,7 +9690,6 @@
               <a:rPr lang="nl-NL" sz="1500" b="0" dirty="0" smtClean="0"/>
               <a:t>Server Side, Linux, PS4, Windows, Android</a:t>
             </a:r>
-            <a:endParaRPr lang="nl-NL" sz="1500" b="0" dirty="0" smtClean="0"/>
           </a:p>
           <a:p>
             <a:pPr marL="342900" indent="-342900">
@@ -9910,14 +9903,135 @@
         </p:blipFill>
         <p:spPr>
           <a:xfrm>
-            <a:off x="3365500" y="1229532"/>
-            <a:ext cx="2413000" cy="3009900"/>
+            <a:off x="4528539" y="2271085"/>
+            <a:ext cx="1549222" cy="1932451"/>
           </a:xfrm>
           <a:prstGeom prst="rect">
             <a:avLst/>
           </a:prstGeom>
         </p:spPr>
       </p:pic>
+      <p:sp>
+        <p:nvSpPr>
+          <p:cNvPr id="3" name="TextBox 2"/>
+          <p:cNvSpPr txBox="1"/>
+          <p:nvPr/>
+        </p:nvSpPr>
+        <p:spPr>
+          <a:xfrm>
+            <a:off x="342000" y="1419195"/>
+            <a:ext cx="8460000" cy="461395"/>
+          </a:xfrm>
+          <a:prstGeom prst="rect">
+            <a:avLst/>
+          </a:prstGeom>
+          <a:noFill/>
+        </p:spPr>
+        <p:txBody>
+          <a:bodyPr wrap="none" lIns="36000" tIns="36000" rIns="36000" bIns="36000" rtlCol="0">
+            <a:noAutofit/>
+          </a:bodyPr>
+          <a:lstStyle/>
+          <a:p>
+            <a:pPr>
+              <a:lnSpc>
+                <a:spcPts val="2400"/>
+              </a:lnSpc>
+            </a:pPr>
+            <a:r>
+              <a:rPr lang="en-US" dirty="0"/>
+              <a:t>https://</a:t>
+            </a:r>
+            <a:r>
+              <a:rPr lang="en-US" dirty="0" err="1"/>
+              <a:t>github.com</a:t>
+            </a:r>
+            <a:r>
+              <a:rPr lang="en-US" dirty="0"/>
+              <a:t>/</a:t>
+            </a:r>
+            <a:r>
+              <a:rPr lang="en-US" dirty="0" err="1"/>
+              <a:t>stefanrenne</a:t>
+            </a:r>
+            <a:r>
+              <a:rPr lang="en-US" dirty="0"/>
+              <a:t>/</a:t>
+            </a:r>
+            <a:r>
+              <a:rPr lang="en-US" dirty="0" err="1"/>
+              <a:t>swiftBootcamp</a:t>
+            </a:r>
+            <a:endParaRPr lang="en-US" dirty="0" smtClean="0"/>
+          </a:p>
+        </p:txBody>
+      </p:sp>
+      <p:pic>
+        <p:nvPicPr>
+          <p:cNvPr id="4" name="Picture 3"/>
+          <p:cNvPicPr>
+            <a:picLocks noChangeAspect="1"/>
+          </p:cNvPicPr>
+          <p:nvPr/>
+        </p:nvPicPr>
+        <p:blipFill>
+          <a:blip r:embed="rId4">
+            <a:extLst>
+              <a:ext uri="{28A0092B-C50C-407E-A947-70E740481C1C}">
+                <a14:useLocalDpi xmlns:a14="http://schemas.microsoft.com/office/drawing/2010/main" val="0"/>
+              </a:ext>
+            </a:extLst>
+          </a:blip>
+          <a:stretch>
+            <a:fillRect/>
+          </a:stretch>
+        </p:blipFill>
+        <p:spPr>
+          <a:xfrm>
+            <a:off x="1884624" y="2532461"/>
+            <a:ext cx="1498600" cy="1409700"/>
+          </a:xfrm>
+          <a:prstGeom prst="rect">
+            <a:avLst/>
+          </a:prstGeom>
+        </p:spPr>
+      </p:pic>
+      <p:cxnSp>
+        <p:nvCxnSpPr>
+          <p:cNvPr id="7" name="Straight Arrow Connector 6"/>
+          <p:cNvCxnSpPr/>
+          <p:nvPr/>
+        </p:nvCxnSpPr>
+        <p:spPr>
+          <a:xfrm>
+            <a:off x="3383224" y="3081590"/>
+            <a:ext cx="989901" cy="0"/>
+          </a:xfrm>
+          <a:prstGeom prst="straightConnector1">
+            <a:avLst/>
+          </a:prstGeom>
+          <a:ln w="28575">
+            <a:solidFill>
+              <a:srgbClr val="00B0F0"/>
+            </a:solidFill>
+            <a:tailEnd type="triangle"/>
+          </a:ln>
+        </p:spPr>
+        <p:style>
+          <a:lnRef idx="1">
+            <a:schemeClr val="accent1"/>
+          </a:lnRef>
+          <a:fillRef idx="0">
+            <a:schemeClr val="accent1"/>
+          </a:fillRef>
+          <a:effectRef idx="0">
+            <a:schemeClr val="accent1"/>
+          </a:effectRef>
+          <a:fontRef idx="minor">
+            <a:schemeClr val="tx1"/>
+          </a:fontRef>
+        </p:style>
+      </p:cxnSp>
     </p:spTree>
     <p:extLst>
       <p:ext uri="{BB962C8B-B14F-4D97-AF65-F5344CB8AC3E}">
@@ -9971,11 +10085,11 @@
           <a:lstStyle/>
           <a:p>
             <a:r>
+              <a:rPr lang="nl-NL" dirty="0" smtClean="0"/>
+              <a:t>Casus</a:t>
+            </a:r>
+            <a:r>
               <a:rPr lang="nl-NL" dirty="0"/>
-              <a:t>Casus</a:t>
-            </a:r>
-            <a:r>
-              <a:rPr lang="nl-NL" dirty="0" smtClean="0"/>
               <a:t>.</a:t>
             </a:r>
             <a:endParaRPr lang="nl-NL" dirty="0"/>
@@ -10037,9 +10151,100 @@
           </a:p>
         </p:txBody>
       </p:sp>
+      <p:sp>
+        <p:nvSpPr>
+          <p:cNvPr id="3" name="TextBox 2"/>
+          <p:cNvSpPr txBox="1"/>
+          <p:nvPr/>
+        </p:nvSpPr>
+        <p:spPr>
+          <a:xfrm>
+            <a:off x="342000" y="1419195"/>
+            <a:ext cx="8460000" cy="461395"/>
+          </a:xfrm>
+          <a:prstGeom prst="rect">
+            <a:avLst/>
+          </a:prstGeom>
+          <a:noFill/>
+        </p:spPr>
+        <p:txBody>
+          <a:bodyPr wrap="none" lIns="36000" tIns="36000" rIns="36000" bIns="36000" rtlCol="0">
+            <a:noAutofit/>
+          </a:bodyPr>
+          <a:lstStyle/>
+          <a:p>
+            <a:pPr>
+              <a:lnSpc>
+                <a:spcPts val="2400"/>
+              </a:lnSpc>
+            </a:pPr>
+            <a:r>
+              <a:rPr lang="en-US" dirty="0"/>
+              <a:t>https://</a:t>
+            </a:r>
+            <a:r>
+              <a:rPr lang="en-US" dirty="0" err="1"/>
+              <a:t>github.com</a:t>
+            </a:r>
+            <a:r>
+              <a:rPr lang="en-US" dirty="0"/>
+              <a:t>/</a:t>
+            </a:r>
+            <a:r>
+              <a:rPr lang="en-US" dirty="0" err="1"/>
+              <a:t>stefanrenne</a:t>
+            </a:r>
+            <a:r>
+              <a:rPr lang="en-US" dirty="0"/>
+              <a:t>/</a:t>
+            </a:r>
+            <a:r>
+              <a:rPr lang="en-US" dirty="0" err="1"/>
+              <a:t>swiftBootcamp</a:t>
+            </a:r>
+            <a:endParaRPr lang="en-US" dirty="0" smtClean="0"/>
+          </a:p>
+        </p:txBody>
+      </p:sp>
+      <p:cxnSp>
+        <p:nvCxnSpPr>
+          <p:cNvPr id="7" name="Straight Arrow Connector 6"/>
+          <p:cNvCxnSpPr/>
+          <p:nvPr/>
+        </p:nvCxnSpPr>
+        <p:spPr>
+          <a:xfrm>
+            <a:off x="3383224" y="3081590"/>
+            <a:ext cx="989901" cy="0"/>
+          </a:xfrm>
+          <a:prstGeom prst="straightConnector1">
+            <a:avLst/>
+          </a:prstGeom>
+          <a:ln w="28575">
+            <a:solidFill>
+              <a:srgbClr val="00B0F0"/>
+            </a:solidFill>
+            <a:tailEnd type="triangle"/>
+          </a:ln>
+        </p:spPr>
+        <p:style>
+          <a:lnRef idx="1">
+            <a:schemeClr val="accent1"/>
+          </a:lnRef>
+          <a:fillRef idx="0">
+            <a:schemeClr val="accent1"/>
+          </a:fillRef>
+          <a:effectRef idx="0">
+            <a:schemeClr val="accent1"/>
+          </a:effectRef>
+          <a:fontRef idx="minor">
+            <a:schemeClr val="tx1"/>
+          </a:fontRef>
+        </p:style>
+      </p:cxnSp>
       <p:pic>
         <p:nvPicPr>
-          <p:cNvPr id="5" name="Picture 4"/>
+          <p:cNvPr id="12" name="Picture 11"/>
           <p:cNvPicPr>
             <a:picLocks noChangeAspect="1"/>
           </p:cNvPicPr>
@@ -10059,8 +10264,38 @@
         </p:blipFill>
         <p:spPr>
           <a:xfrm>
-            <a:off x="3282950" y="1345163"/>
-            <a:ext cx="2578100" cy="2946400"/>
+            <a:off x="4572000" y="2270480"/>
+            <a:ext cx="1661175" cy="1898486"/>
+          </a:xfrm>
+          <a:prstGeom prst="rect">
+            <a:avLst/>
+          </a:prstGeom>
+        </p:spPr>
+      </p:pic>
+      <p:pic>
+        <p:nvPicPr>
+          <p:cNvPr id="13" name="Picture 12"/>
+          <p:cNvPicPr>
+            <a:picLocks noChangeAspect="1"/>
+          </p:cNvPicPr>
+          <p:nvPr/>
+        </p:nvPicPr>
+        <p:blipFill>
+          <a:blip r:embed="rId4">
+            <a:extLst>
+              <a:ext uri="{28A0092B-C50C-407E-A947-70E740481C1C}">
+                <a14:useLocalDpi xmlns:a14="http://schemas.microsoft.com/office/drawing/2010/main" val="0"/>
+              </a:ext>
+            </a:extLst>
+          </a:blip>
+          <a:stretch>
+            <a:fillRect/>
+          </a:stretch>
+        </p:blipFill>
+        <p:spPr>
+          <a:xfrm>
+            <a:off x="2037024" y="2555136"/>
+            <a:ext cx="1346200" cy="1409700"/>
           </a:xfrm>
           <a:prstGeom prst="rect">
             <a:avLst/>
@@ -10070,7 +10305,7 @@
     </p:spTree>
     <p:extLst>
       <p:ext uri="{BB962C8B-B14F-4D97-AF65-F5344CB8AC3E}">
-        <p14:creationId xmlns:p14="http://schemas.microsoft.com/office/powerpoint/2010/main" val="1503911018"/>
+        <p14:creationId xmlns:p14="http://schemas.microsoft.com/office/powerpoint/2010/main" val="1214671487"/>
       </p:ext>
     </p:extLst>
   </p:cSld>

--- a/Intro/intro.pptx
+++ b/Intro/intro.pptx
@@ -5,24 +5,25 @@
     <p:sldMasterId id="2147483648" r:id="rId1"/>
   </p:sldMasterIdLst>
   <p:notesMasterIdLst>
-    <p:notesMasterId r:id="rId9"/>
+    <p:notesMasterId r:id="rId10"/>
   </p:notesMasterIdLst>
   <p:handoutMasterIdLst>
-    <p:handoutMasterId r:id="rId10"/>
+    <p:handoutMasterId r:id="rId11"/>
   </p:handoutMasterIdLst>
   <p:sldIdLst>
     <p:sldId id="289" r:id="rId2"/>
     <p:sldId id="288" r:id="rId3"/>
-    <p:sldId id="290" r:id="rId4"/>
-    <p:sldId id="292" r:id="rId5"/>
-    <p:sldId id="297" r:id="rId6"/>
-    <p:sldId id="294" r:id="rId7"/>
-    <p:sldId id="296" r:id="rId8"/>
+    <p:sldId id="298" r:id="rId4"/>
+    <p:sldId id="290" r:id="rId5"/>
+    <p:sldId id="292" r:id="rId6"/>
+    <p:sldId id="297" r:id="rId7"/>
+    <p:sldId id="299" r:id="rId8"/>
+    <p:sldId id="296" r:id="rId9"/>
   </p:sldIdLst>
   <p:sldSz cx="9144000" cy="5143500" type="screen16x9"/>
   <p:notesSz cx="6858000" cy="9144000"/>
   <p:custDataLst>
-    <p:tags r:id="rId11"/>
+    <p:tags r:id="rId12"/>
   </p:custDataLst>
   <p:defaultTextStyle>
     <a:defPPr>
@@ -898,7 +899,7 @@
     </p:spTree>
     <p:extLst>
       <p:ext uri="{BB962C8B-B14F-4D97-AF65-F5344CB8AC3E}">
-        <p14:creationId xmlns:p14="http://schemas.microsoft.com/office/powerpoint/2010/main" val="666175307"/>
+        <p14:creationId xmlns:p14="http://schemas.microsoft.com/office/powerpoint/2010/main" val="2099801584"/>
       </p:ext>
     </p:extLst>
   </p:cSld>
@@ -999,7 +1000,7 @@
     </p:spTree>
     <p:extLst>
       <p:ext uri="{BB962C8B-B14F-4D97-AF65-F5344CB8AC3E}">
-        <p14:creationId xmlns:p14="http://schemas.microsoft.com/office/powerpoint/2010/main" val="1028241385"/>
+        <p14:creationId xmlns:p14="http://schemas.microsoft.com/office/powerpoint/2010/main" val="666175307"/>
       </p:ext>
     </p:extLst>
   </p:cSld>
@@ -1100,7 +1101,7 @@
     </p:spTree>
     <p:extLst>
       <p:ext uri="{BB962C8B-B14F-4D97-AF65-F5344CB8AC3E}">
-        <p14:creationId xmlns:p14="http://schemas.microsoft.com/office/powerpoint/2010/main" val="1004133627"/>
+        <p14:creationId xmlns:p14="http://schemas.microsoft.com/office/powerpoint/2010/main" val="1028241385"/>
       </p:ext>
     </p:extLst>
   </p:cSld>
@@ -1201,7 +1202,108 @@
     </p:spTree>
     <p:extLst>
       <p:ext uri="{BB962C8B-B14F-4D97-AF65-F5344CB8AC3E}">
-        <p14:creationId xmlns:p14="http://schemas.microsoft.com/office/powerpoint/2010/main" val="1153276848"/>
+        <p14:creationId xmlns:p14="http://schemas.microsoft.com/office/powerpoint/2010/main" val="1004133627"/>
+      </p:ext>
+    </p:extLst>
+  </p:cSld>
+  <p:clrMapOvr>
+    <a:masterClrMapping/>
+  </p:clrMapOvr>
+</p:notes>
+</file>
+
+<file path=ppt/notesSlides/notesSlide6.xml><?xml version="1.0" encoding="utf-8"?>
+<p:notes xmlns:a="http://schemas.openxmlformats.org/drawingml/2006/main" xmlns:r="http://schemas.openxmlformats.org/officeDocument/2006/relationships" xmlns:p="http://schemas.openxmlformats.org/presentationml/2006/main">
+  <p:cSld>
+    <p:spTree>
+      <p:nvGrpSpPr>
+        <p:cNvPr id="1" name=""/>
+        <p:cNvGrpSpPr/>
+        <p:nvPr/>
+      </p:nvGrpSpPr>
+      <p:grpSpPr>
+        <a:xfrm>
+          <a:off x="0" y="0"/>
+          <a:ext cx="0" cy="0"/>
+          <a:chOff x="0" y="0"/>
+          <a:chExt cx="0" cy="0"/>
+        </a:xfrm>
+      </p:grpSpPr>
+      <p:sp>
+        <p:nvSpPr>
+          <p:cNvPr id="2" name="Slide Image Placeholder 1"/>
+          <p:cNvSpPr>
+            <a:spLocks noGrp="1" noRot="1" noChangeAspect="1"/>
+          </p:cNvSpPr>
+          <p:nvPr>
+            <p:ph type="sldImg"/>
+          </p:nvPr>
+        </p:nvSpPr>
+        <p:spPr>
+          <a:xfrm>
+            <a:off x="381000" y="685800"/>
+            <a:ext cx="6096000" cy="3429000"/>
+          </a:xfrm>
+        </p:spPr>
+      </p:sp>
+      <p:sp>
+        <p:nvSpPr>
+          <p:cNvPr id="3" name="Notes Placeholder 2"/>
+          <p:cNvSpPr>
+            <a:spLocks noGrp="1"/>
+          </p:cNvSpPr>
+          <p:nvPr>
+            <p:ph type="body" idx="1"/>
+          </p:nvPr>
+        </p:nvSpPr>
+        <p:spPr/>
+        <p:txBody>
+          <a:bodyPr>
+            <a:normAutofit/>
+          </a:bodyPr>
+          <a:lstStyle/>
+          <a:p>
+            <a:pPr lvl="1" eaLnBrk="1" hangingPunct="1">
+              <a:spcBef>
+                <a:spcPct val="0"/>
+              </a:spcBef>
+              <a:buFontTx/>
+              <a:buChar char="•"/>
+            </a:pPr>
+            <a:endParaRPr lang="nl-NL" dirty="0" smtClean="0">
+              <a:ea typeface="ＭＳ Ｐゴシック" pitchFamily="34" charset="-128"/>
+            </a:endParaRPr>
+          </a:p>
+        </p:txBody>
+      </p:sp>
+      <p:sp>
+        <p:nvSpPr>
+          <p:cNvPr id="4" name="Slide Number Placeholder 3"/>
+          <p:cNvSpPr>
+            <a:spLocks noGrp="1"/>
+          </p:cNvSpPr>
+          <p:nvPr>
+            <p:ph type="sldNum" sz="quarter" idx="10"/>
+          </p:nvPr>
+        </p:nvSpPr>
+        <p:spPr/>
+        <p:txBody>
+          <a:bodyPr/>
+          <a:lstStyle/>
+          <a:p>
+            <a:fld id="{E3A231E2-5917-44CD-8A06-5F2829B13D02}" type="slidenum">
+              <a:rPr lang="en-US" smtClean="0"/>
+              <a:pPr/>
+              <a:t>7</a:t>
+            </a:fld>
+            <a:endParaRPr lang="en-US"/>
+          </a:p>
+        </p:txBody>
+      </p:sp>
+    </p:spTree>
+    <p:extLst>
+      <p:ext uri="{BB962C8B-B14F-4D97-AF65-F5344CB8AC3E}">
+        <p14:creationId xmlns:p14="http://schemas.microsoft.com/office/powerpoint/2010/main" val="1676105917"/>
       </p:ext>
     </p:extLst>
   </p:cSld>
@@ -9418,12 +9520,8 @@
           <a:lstStyle/>
           <a:p>
             <a:r>
-              <a:rPr lang="nl-NL" dirty="0" err="1" smtClean="0"/>
-              <a:t>History</a:t>
-            </a:r>
-            <a:r>
               <a:rPr lang="nl-NL" dirty="0" smtClean="0"/>
-              <a:t>.</a:t>
+              <a:t>Swift.</a:t>
             </a:r>
             <a:endParaRPr lang="nl-NL" dirty="0"/>
           </a:p>
@@ -9457,239 +9555,22 @@
               <a:buChar char="•"/>
             </a:pPr>
             <a:r>
+              <a:rPr lang="nl-NL" dirty="0" smtClean="0"/>
+              <a:t>Safe, </a:t>
+            </a:r>
+            <a:r>
               <a:rPr lang="nl-NL" dirty="0" err="1" smtClean="0"/>
-              <a:t>July</a:t>
+              <a:t>Fast</a:t>
             </a:r>
             <a:r>
               <a:rPr lang="nl-NL" dirty="0" smtClean="0"/>
-              <a:t> 2010		  	   Development </a:t>
+              <a:t>, </a:t>
             </a:r>
             <a:r>
               <a:rPr lang="nl-NL" dirty="0" err="1" smtClean="0"/>
-              <a:t>Started</a:t>
+              <a:t>Expressive</a:t>
             </a:r>
             <a:endParaRPr lang="nl-NL" dirty="0" smtClean="0"/>
-          </a:p>
-          <a:p>
-            <a:pPr marL="3257550" lvl="8" indent="-342900">
-              <a:buFont typeface="Arial" charset="0"/>
-              <a:buChar char="•"/>
-            </a:pPr>
-            <a:r>
-              <a:rPr lang="nl-NL" dirty="0" smtClean="0"/>
-              <a:t>Chris </a:t>
-            </a:r>
-            <a:r>
-              <a:rPr lang="nl-NL" dirty="0" err="1" smtClean="0"/>
-              <a:t>Lattner</a:t>
-            </a:r>
-            <a:r>
-              <a:rPr lang="nl-NL" dirty="0" smtClean="0"/>
-              <a:t> (Apple)</a:t>
-            </a:r>
-          </a:p>
-          <a:p>
-            <a:pPr marL="3257550" lvl="8" indent="-342900">
-              <a:buFont typeface="Arial" charset="0"/>
-              <a:buChar char="•"/>
-            </a:pPr>
-            <a:r>
-              <a:rPr lang="nl-NL" dirty="0" err="1" smtClean="0"/>
-              <a:t>Influenced</a:t>
-            </a:r>
-            <a:r>
-              <a:rPr lang="nl-NL" dirty="0" smtClean="0"/>
-              <a:t> </a:t>
-            </a:r>
-            <a:r>
-              <a:rPr lang="nl-NL" dirty="0" err="1"/>
-              <a:t>by</a:t>
-            </a:r>
-            <a:r>
-              <a:rPr lang="nl-NL" dirty="0"/>
-              <a:t> </a:t>
-            </a:r>
-            <a:r>
-              <a:rPr lang="nl-NL" dirty="0" smtClean="0"/>
-              <a:t>Ruby, </a:t>
-            </a:r>
-            <a:r>
-              <a:rPr lang="nl-NL" dirty="0" err="1" smtClean="0"/>
-              <a:t>Objective</a:t>
-            </a:r>
-            <a:r>
-              <a:rPr lang="nl-NL" dirty="0" smtClean="0"/>
-              <a:t>-c, Python, </a:t>
-            </a:r>
-            <a:r>
-              <a:rPr lang="nl-NL" dirty="0" err="1" smtClean="0"/>
-              <a:t>Etc</a:t>
-            </a:r>
-            <a:endParaRPr lang="nl-NL" dirty="0" smtClean="0"/>
-          </a:p>
-          <a:p>
-            <a:pPr marL="3257550" lvl="8" indent="-342900">
-              <a:buFont typeface="Arial" charset="0"/>
-              <a:buChar char="•"/>
-            </a:pPr>
-            <a:endParaRPr lang="nl-NL" dirty="0" smtClean="0"/>
-          </a:p>
-          <a:p>
-            <a:pPr marL="342900" lvl="1" indent="-342900">
-              <a:lnSpc>
-                <a:spcPct val="100000"/>
-              </a:lnSpc>
-              <a:buFont typeface="Arial" charset="0"/>
-              <a:buChar char="•"/>
-            </a:pPr>
-            <a:r>
-              <a:rPr lang="nl-NL" dirty="0" err="1" smtClean="0"/>
-              <a:t>June</a:t>
-            </a:r>
-            <a:r>
-              <a:rPr lang="nl-NL" dirty="0" smtClean="0"/>
-              <a:t> 2014			Swift 1.0 </a:t>
-            </a:r>
-            <a:r>
-              <a:rPr lang="nl-NL" dirty="0" err="1"/>
-              <a:t>a</a:t>
-            </a:r>
-            <a:r>
-              <a:rPr lang="nl-NL" dirty="0" err="1" smtClean="0"/>
-              <a:t>nnounced</a:t>
-            </a:r>
-            <a:r>
-              <a:rPr lang="nl-NL" dirty="0" smtClean="0"/>
-              <a:t> </a:t>
-            </a:r>
-          </a:p>
-          <a:p>
-            <a:pPr marL="342900" lvl="1" indent="-342900">
-              <a:lnSpc>
-                <a:spcPct val="100000"/>
-              </a:lnSpc>
-              <a:buFont typeface="Arial" charset="0"/>
-              <a:buChar char="•"/>
-            </a:pPr>
-            <a:r>
-              <a:rPr lang="nl-NL" dirty="0" err="1" smtClean="0"/>
-              <a:t>June</a:t>
-            </a:r>
-            <a:r>
-              <a:rPr lang="nl-NL" dirty="0" smtClean="0"/>
-              <a:t> 2015			Swift 2.0</a:t>
-            </a:r>
-            <a:r>
-              <a:rPr lang="nl-NL" dirty="0"/>
-              <a:t> </a:t>
-            </a:r>
-            <a:r>
-              <a:rPr lang="nl-NL" dirty="0" err="1" smtClean="0"/>
-              <a:t>announced</a:t>
-            </a:r>
-            <a:r>
-              <a:rPr lang="nl-NL" dirty="0" smtClean="0"/>
-              <a:t> </a:t>
-            </a:r>
-          </a:p>
-          <a:p>
-            <a:pPr marL="342900" lvl="1" indent="-342900">
-              <a:lnSpc>
-                <a:spcPct val="100000"/>
-              </a:lnSpc>
-              <a:buFont typeface="Arial" charset="0"/>
-              <a:buChar char="•"/>
-            </a:pPr>
-            <a:r>
-              <a:rPr lang="nl-NL" dirty="0"/>
-              <a:t>December 2015 </a:t>
-            </a:r>
-            <a:r>
-              <a:rPr lang="nl-NL" dirty="0" smtClean="0"/>
-              <a:t>		Open </a:t>
-            </a:r>
-            <a:r>
-              <a:rPr lang="nl-NL" dirty="0" err="1"/>
-              <a:t>sourced</a:t>
-            </a:r>
-            <a:r>
-              <a:rPr lang="nl-NL" dirty="0"/>
-              <a:t> </a:t>
-            </a:r>
-            <a:endParaRPr lang="nl-NL" dirty="0" smtClean="0"/>
-          </a:p>
-          <a:p>
-            <a:pPr marL="342900" lvl="1" indent="-342900">
-              <a:lnSpc>
-                <a:spcPct val="100000"/>
-              </a:lnSpc>
-              <a:buFont typeface="Arial" charset="0"/>
-              <a:buChar char="•"/>
-            </a:pPr>
-            <a:r>
-              <a:rPr lang="nl-NL" dirty="0" err="1" smtClean="0"/>
-              <a:t>June</a:t>
-            </a:r>
-            <a:r>
-              <a:rPr lang="nl-NL" dirty="0" smtClean="0"/>
-              <a:t> 2016</a:t>
-            </a:r>
-            <a:r>
-              <a:rPr lang="nl-NL" dirty="0"/>
-              <a:t> </a:t>
-            </a:r>
-            <a:r>
-              <a:rPr lang="nl-NL" dirty="0" smtClean="0"/>
-              <a:t>		Swift 3.0 </a:t>
-            </a:r>
-            <a:r>
-              <a:rPr lang="nl-NL" dirty="0" err="1"/>
-              <a:t>announced</a:t>
-            </a:r>
-            <a:r>
-              <a:rPr lang="nl-NL" dirty="0"/>
-              <a:t> </a:t>
-            </a:r>
-            <a:endParaRPr lang="nl-NL" dirty="0" smtClean="0"/>
-          </a:p>
-          <a:p>
-            <a:pPr marL="342900" lvl="1" indent="-342900">
-              <a:lnSpc>
-                <a:spcPct val="100000"/>
-              </a:lnSpc>
-              <a:buFont typeface="Arial" charset="0"/>
-              <a:buChar char="•"/>
-            </a:pPr>
-            <a:endParaRPr lang="nl-NL" dirty="0"/>
-          </a:p>
-          <a:p>
-            <a:pPr marL="342900" lvl="1" indent="-342900">
-              <a:lnSpc>
-                <a:spcPct val="100000"/>
-              </a:lnSpc>
-              <a:buFont typeface="Arial" charset="0"/>
-              <a:buChar char="•"/>
-            </a:pPr>
-            <a:r>
-              <a:rPr lang="nl-NL" dirty="0" err="1" smtClean="0"/>
-              <a:t>Ported</a:t>
-            </a:r>
-            <a:r>
-              <a:rPr lang="nl-NL" dirty="0" smtClean="0"/>
-              <a:t> </a:t>
-            </a:r>
-            <a:r>
-              <a:rPr lang="nl-NL" dirty="0" err="1" smtClean="0"/>
-              <a:t>to</a:t>
-            </a:r>
-            <a:r>
-              <a:rPr lang="nl-NL" dirty="0" smtClean="0"/>
-              <a:t> 			</a:t>
-            </a:r>
-            <a:r>
-              <a:rPr lang="nl-NL" sz="1500" b="0" dirty="0" smtClean="0"/>
-              <a:t>Server Side, Linux, PS4, Windows, Android</a:t>
-            </a:r>
           </a:p>
           <a:p>
             <a:pPr marL="342900" indent="-342900">
@@ -9699,6 +9580,208 @@
               <a:buFont typeface="Arial" charset="0"/>
               <a:buChar char="•"/>
             </a:pPr>
+            <a:r>
+              <a:rPr lang="nl-NL" sz="2000" dirty="0" smtClean="0"/>
+              <a:t>Protocol </a:t>
+            </a:r>
+            <a:r>
+              <a:rPr lang="nl-NL" sz="2000" dirty="0" err="1" smtClean="0"/>
+              <a:t>ori</a:t>
+            </a:r>
+            <a:r>
+              <a:rPr lang="en-US" sz="2000" dirty="0" smtClean="0"/>
+              <a:t>e</a:t>
+            </a:r>
+            <a:r>
+              <a:rPr lang="nl-NL" sz="2000" dirty="0" err="1" smtClean="0"/>
+              <a:t>nted</a:t>
+            </a:r>
+            <a:r>
+              <a:rPr lang="nl-NL" sz="2000" dirty="0" smtClean="0"/>
+              <a:t> </a:t>
+            </a:r>
+            <a:r>
+              <a:rPr lang="nl-NL" sz="2000" dirty="0" err="1" smtClean="0"/>
+              <a:t>language</a:t>
+            </a:r>
+            <a:endParaRPr lang="nl-NL" sz="2000" dirty="0" smtClean="0"/>
+          </a:p>
+          <a:p>
+            <a:pPr marL="342900" indent="-342900">
+              <a:lnSpc>
+                <a:spcPct val="100000"/>
+              </a:lnSpc>
+              <a:buFont typeface="Arial" charset="0"/>
+              <a:buChar char="•"/>
+            </a:pPr>
+            <a:r>
+              <a:rPr lang="nl-NL" sz="2000" dirty="0" err="1" smtClean="0"/>
+              <a:t>Build</a:t>
+            </a:r>
+            <a:r>
+              <a:rPr lang="nl-NL" sz="2000" dirty="0" smtClean="0"/>
+              <a:t> on </a:t>
+            </a:r>
+            <a:r>
+              <a:rPr lang="nl-NL" sz="2000" dirty="0" err="1" smtClean="0"/>
+              <a:t>with</a:t>
+            </a:r>
+            <a:r>
+              <a:rPr lang="nl-NL" sz="2000" dirty="0" smtClean="0"/>
+              <a:t> LLVM compiler</a:t>
+            </a:r>
+          </a:p>
+          <a:p>
+            <a:pPr marL="1353741" lvl="2" indent="-342900">
+              <a:lnSpc>
+                <a:spcPct val="100000"/>
+              </a:lnSpc>
+              <a:buFont typeface="Arial" charset="0"/>
+              <a:buChar char="•"/>
+            </a:pPr>
+            <a:r>
+              <a:rPr lang="nl-NL" sz="1600" dirty="0" err="1" smtClean="0"/>
+              <a:t>Can</a:t>
+            </a:r>
+            <a:r>
+              <a:rPr lang="nl-NL" sz="1600" dirty="0" smtClean="0"/>
+              <a:t> </a:t>
+            </a:r>
+            <a:r>
+              <a:rPr lang="nl-NL" sz="1600" dirty="0" err="1" smtClean="0"/>
+              <a:t>be</a:t>
+            </a:r>
+            <a:r>
+              <a:rPr lang="nl-NL" sz="1600" dirty="0" smtClean="0"/>
+              <a:t> mixed </a:t>
+            </a:r>
+            <a:r>
+              <a:rPr lang="nl-NL" sz="1600" dirty="0" err="1" smtClean="0"/>
+              <a:t>with</a:t>
+            </a:r>
+            <a:r>
+              <a:rPr lang="nl-NL" sz="1600" dirty="0" smtClean="0"/>
+              <a:t> C, C++ </a:t>
+            </a:r>
+            <a:r>
+              <a:rPr lang="nl-NL" sz="1600" dirty="0" err="1" smtClean="0"/>
+              <a:t>and</a:t>
+            </a:r>
+            <a:r>
+              <a:rPr lang="nl-NL" sz="1600" dirty="0" smtClean="0"/>
+              <a:t> </a:t>
+            </a:r>
+            <a:r>
+              <a:rPr lang="nl-NL" sz="1600" dirty="0" err="1" smtClean="0"/>
+              <a:t>Objective</a:t>
+            </a:r>
+            <a:r>
+              <a:rPr lang="nl-NL" sz="1600" dirty="0" smtClean="0"/>
+              <a:t>-C</a:t>
+            </a:r>
+          </a:p>
+          <a:p>
+            <a:pPr marL="342900" indent="-342900">
+              <a:lnSpc>
+                <a:spcPct val="100000"/>
+              </a:lnSpc>
+              <a:buFont typeface="Arial" charset="0"/>
+              <a:buChar char="•"/>
+            </a:pPr>
+            <a:r>
+              <a:rPr lang="nl-NL" sz="2000" dirty="0" smtClean="0"/>
+              <a:t>Ruby-like (</a:t>
+            </a:r>
+            <a:r>
+              <a:rPr lang="nl-NL" sz="2000" dirty="0" err="1" smtClean="0"/>
+              <a:t>irb</a:t>
+            </a:r>
+            <a:r>
+              <a:rPr lang="nl-NL" sz="2000" dirty="0" smtClean="0"/>
+              <a:t>) </a:t>
+            </a:r>
+            <a:r>
+              <a:rPr lang="nl-NL" sz="2000" dirty="0" err="1" smtClean="0"/>
+              <a:t>command</a:t>
+            </a:r>
+            <a:r>
+              <a:rPr lang="nl-NL" sz="2000" dirty="0" smtClean="0"/>
+              <a:t> line interface (</a:t>
+            </a:r>
+            <a:r>
+              <a:rPr lang="nl-NL" sz="2000" dirty="0" err="1" smtClean="0"/>
+              <a:t>repl</a:t>
+            </a:r>
+            <a:r>
+              <a:rPr lang="nl-NL" sz="2000" dirty="0" smtClean="0"/>
+              <a:t>)</a:t>
+            </a:r>
+          </a:p>
+          <a:p>
+            <a:pPr marL="342900" indent="-342900">
+              <a:lnSpc>
+                <a:spcPct val="100000"/>
+              </a:lnSpc>
+              <a:buFont typeface="Arial" charset="0"/>
+              <a:buChar char="•"/>
+            </a:pPr>
+            <a:r>
+              <a:rPr lang="nl-NL" sz="2000" dirty="0" smtClean="0"/>
+              <a:t>For iOS, </a:t>
+            </a:r>
+            <a:r>
+              <a:rPr lang="nl-NL" sz="2000" dirty="0" err="1" smtClean="0"/>
+              <a:t>WatchOS</a:t>
+            </a:r>
+            <a:r>
+              <a:rPr lang="nl-NL" sz="2000" dirty="0" smtClean="0"/>
+              <a:t>, </a:t>
+            </a:r>
+            <a:r>
+              <a:rPr lang="nl-NL" sz="2000" dirty="0" err="1" smtClean="0"/>
+              <a:t>tvOS</a:t>
+            </a:r>
+            <a:r>
+              <a:rPr lang="nl-NL" sz="2000" dirty="0" smtClean="0"/>
+              <a:t>, OS X </a:t>
+            </a:r>
+            <a:r>
+              <a:rPr lang="nl-NL" sz="2000" dirty="0" err="1" smtClean="0"/>
+              <a:t>and</a:t>
+            </a:r>
+            <a:r>
+              <a:rPr lang="nl-NL" sz="2000" dirty="0" smtClean="0"/>
+              <a:t> Linux</a:t>
+            </a:r>
+          </a:p>
+          <a:p>
+            <a:pPr marL="342900" indent="-342900">
+              <a:lnSpc>
+                <a:spcPct val="100000"/>
+              </a:lnSpc>
+              <a:buFont typeface="Arial" charset="0"/>
+              <a:buChar char="•"/>
+            </a:pPr>
+            <a:r>
+              <a:rPr lang="nl-NL" sz="2000" dirty="0" err="1" smtClean="0"/>
+              <a:t>Fast</a:t>
+            </a:r>
+            <a:r>
+              <a:rPr lang="nl-NL" sz="2000" dirty="0" smtClean="0"/>
+              <a:t> </a:t>
+            </a:r>
+            <a:r>
+              <a:rPr lang="nl-NL" sz="2000" dirty="0" err="1" smtClean="0"/>
+              <a:t>addoption</a:t>
+            </a:r>
+            <a:r>
+              <a:rPr lang="nl-NL" sz="2000" dirty="0" smtClean="0"/>
+              <a:t> </a:t>
+            </a:r>
+            <a:r>
+              <a:rPr lang="nl-NL" sz="2000" dirty="0" err="1" smtClean="0"/>
+              <a:t>rate</a:t>
+            </a:r>
             <a:endParaRPr lang="nl-NL" sz="2000" dirty="0" smtClean="0"/>
           </a:p>
         </p:txBody>
@@ -9761,7 +9844,7 @@
     </p:spTree>
     <p:extLst>
       <p:ext uri="{BB962C8B-B14F-4D97-AF65-F5344CB8AC3E}">
-        <p14:creationId xmlns:p14="http://schemas.microsoft.com/office/powerpoint/2010/main" val="1205707257"/>
+        <p14:creationId xmlns:p14="http://schemas.microsoft.com/office/powerpoint/2010/main" val="166613375"/>
       </p:ext>
     </p:extLst>
   </p:cSld>
@@ -9811,18 +9894,288 @@
           <a:lstStyle/>
           <a:p>
             <a:r>
-              <a:rPr lang="nl-NL" dirty="0"/>
-              <a:t>Syntax in </a:t>
-            </a:r>
-            <a:r>
               <a:rPr lang="nl-NL" dirty="0" err="1" smtClean="0"/>
-              <a:t>Playground</a:t>
+              <a:t>History</a:t>
             </a:r>
             <a:r>
               <a:rPr lang="nl-NL" dirty="0" smtClean="0"/>
               <a:t>.</a:t>
             </a:r>
             <a:endParaRPr lang="nl-NL" dirty="0"/>
+          </a:p>
+        </p:txBody>
+      </p:sp>
+      <p:sp>
+        <p:nvSpPr>
+          <p:cNvPr id="3" name="Content Placeholder 2"/>
+          <p:cNvSpPr>
+            <a:spLocks noGrp="1"/>
+          </p:cNvSpPr>
+          <p:nvPr>
+            <p:ph idx="1"/>
+          </p:nvPr>
+        </p:nvSpPr>
+        <p:spPr>
+          <a:xfrm>
+            <a:off x="342000" y="1251679"/>
+            <a:ext cx="8460000" cy="3149839"/>
+          </a:xfrm>
+        </p:spPr>
+        <p:txBody>
+          <a:bodyPr/>
+          <a:lstStyle/>
+          <a:p>
+            <a:pPr marL="342900" indent="-342900">
+              <a:lnSpc>
+                <a:spcPct val="100000"/>
+              </a:lnSpc>
+              <a:buFont typeface="Arial" charset="0"/>
+              <a:buChar char="•"/>
+            </a:pPr>
+            <a:r>
+              <a:rPr lang="nl-NL" dirty="0" err="1" smtClean="0"/>
+              <a:t>July</a:t>
+            </a:r>
+            <a:r>
+              <a:rPr lang="nl-NL" dirty="0" smtClean="0"/>
+              <a:t> 2010		  	   Development </a:t>
+            </a:r>
+            <a:r>
+              <a:rPr lang="nl-NL" dirty="0" err="1" smtClean="0"/>
+              <a:t>Started</a:t>
+            </a:r>
+            <a:endParaRPr lang="nl-NL" dirty="0" smtClean="0"/>
+          </a:p>
+          <a:p>
+            <a:pPr marL="3257550" lvl="8" indent="-342900">
+              <a:buFont typeface="Arial" charset="0"/>
+              <a:buChar char="•"/>
+            </a:pPr>
+            <a:r>
+              <a:rPr lang="nl-NL" dirty="0" smtClean="0"/>
+              <a:t>Chris </a:t>
+            </a:r>
+            <a:r>
+              <a:rPr lang="nl-NL" dirty="0" err="1" smtClean="0"/>
+              <a:t>Lattner</a:t>
+            </a:r>
+            <a:r>
+              <a:rPr lang="nl-NL" dirty="0" smtClean="0"/>
+              <a:t> (Apple)</a:t>
+            </a:r>
+          </a:p>
+          <a:p>
+            <a:pPr marL="3257550" lvl="8" indent="-342900">
+              <a:buFont typeface="Arial" charset="0"/>
+              <a:buChar char="•"/>
+            </a:pPr>
+            <a:r>
+              <a:rPr lang="nl-NL" dirty="0" err="1" smtClean="0"/>
+              <a:t>Influenced</a:t>
+            </a:r>
+            <a:r>
+              <a:rPr lang="nl-NL" dirty="0" smtClean="0"/>
+              <a:t> </a:t>
+            </a:r>
+            <a:r>
+              <a:rPr lang="nl-NL" dirty="0" err="1"/>
+              <a:t>by</a:t>
+            </a:r>
+            <a:r>
+              <a:rPr lang="nl-NL" dirty="0"/>
+              <a:t> </a:t>
+            </a:r>
+            <a:r>
+              <a:rPr lang="nl-NL" dirty="0" smtClean="0"/>
+              <a:t>Ruby, </a:t>
+            </a:r>
+            <a:r>
+              <a:rPr lang="nl-NL" dirty="0" err="1" smtClean="0"/>
+              <a:t>Objective</a:t>
+            </a:r>
+            <a:r>
+              <a:rPr lang="nl-NL" dirty="0" smtClean="0"/>
+              <a:t>-c, Python, </a:t>
+            </a:r>
+            <a:r>
+              <a:rPr lang="nl-NL" dirty="0" err="1" smtClean="0"/>
+              <a:t>Etc</a:t>
+            </a:r>
+            <a:endParaRPr lang="nl-NL" dirty="0" smtClean="0"/>
+          </a:p>
+          <a:p>
+            <a:pPr marL="3257550" lvl="8" indent="-342900">
+              <a:buFont typeface="Arial" charset="0"/>
+              <a:buChar char="•"/>
+            </a:pPr>
+            <a:endParaRPr lang="nl-NL" dirty="0" smtClean="0"/>
+          </a:p>
+          <a:p>
+            <a:pPr marL="342900" lvl="1" indent="-342900">
+              <a:lnSpc>
+                <a:spcPct val="100000"/>
+              </a:lnSpc>
+              <a:buFont typeface="Arial" charset="0"/>
+              <a:buChar char="•"/>
+            </a:pPr>
+            <a:r>
+              <a:rPr lang="nl-NL" dirty="0" err="1" smtClean="0"/>
+              <a:t>June</a:t>
+            </a:r>
+            <a:r>
+              <a:rPr lang="nl-NL" dirty="0" smtClean="0"/>
+              <a:t> 2014			Swift 1.0 </a:t>
+            </a:r>
+            <a:r>
+              <a:rPr lang="nl-NL" dirty="0" err="1"/>
+              <a:t>a</a:t>
+            </a:r>
+            <a:r>
+              <a:rPr lang="nl-NL" dirty="0" err="1" smtClean="0"/>
+              <a:t>nnounced</a:t>
+            </a:r>
+            <a:r>
+              <a:rPr lang="nl-NL" dirty="0" smtClean="0"/>
+              <a:t> </a:t>
+            </a:r>
+          </a:p>
+          <a:p>
+            <a:pPr marL="342900" lvl="1" indent="-342900">
+              <a:lnSpc>
+                <a:spcPct val="100000"/>
+              </a:lnSpc>
+              <a:buFont typeface="Arial" charset="0"/>
+              <a:buChar char="•"/>
+            </a:pPr>
+            <a:r>
+              <a:rPr lang="nl-NL" dirty="0" err="1" smtClean="0"/>
+              <a:t>June</a:t>
+            </a:r>
+            <a:r>
+              <a:rPr lang="nl-NL" dirty="0" smtClean="0"/>
+              <a:t> 2015			Swift 2.0</a:t>
+            </a:r>
+            <a:r>
+              <a:rPr lang="nl-NL" dirty="0"/>
+              <a:t> </a:t>
+            </a:r>
+            <a:r>
+              <a:rPr lang="nl-NL" dirty="0" err="1" smtClean="0"/>
+              <a:t>announced</a:t>
+            </a:r>
+            <a:r>
+              <a:rPr lang="nl-NL" dirty="0" smtClean="0"/>
+              <a:t> </a:t>
+            </a:r>
+          </a:p>
+          <a:p>
+            <a:pPr marL="342900" lvl="1" indent="-342900">
+              <a:lnSpc>
+                <a:spcPct val="100000"/>
+              </a:lnSpc>
+              <a:buFont typeface="Arial" charset="0"/>
+              <a:buChar char="•"/>
+            </a:pPr>
+            <a:r>
+              <a:rPr lang="nl-NL" dirty="0"/>
+              <a:t>December 2015 </a:t>
+            </a:r>
+            <a:r>
+              <a:rPr lang="nl-NL" dirty="0" smtClean="0"/>
+              <a:t>		Open </a:t>
+            </a:r>
+            <a:r>
+              <a:rPr lang="nl-NL" dirty="0" err="1"/>
+              <a:t>sourced</a:t>
+            </a:r>
+            <a:r>
+              <a:rPr lang="nl-NL" dirty="0"/>
+              <a:t> </a:t>
+            </a:r>
+            <a:endParaRPr lang="nl-NL" dirty="0" smtClean="0"/>
+          </a:p>
+          <a:p>
+            <a:pPr marL="342900" lvl="1" indent="-342900">
+              <a:lnSpc>
+                <a:spcPct val="100000"/>
+              </a:lnSpc>
+              <a:buFont typeface="Arial" charset="0"/>
+              <a:buChar char="•"/>
+            </a:pPr>
+            <a:r>
+              <a:rPr lang="nl-NL" dirty="0" err="1" smtClean="0"/>
+              <a:t>June</a:t>
+            </a:r>
+            <a:r>
+              <a:rPr lang="nl-NL" dirty="0" smtClean="0"/>
+              <a:t> 2016</a:t>
+            </a:r>
+            <a:r>
+              <a:rPr lang="nl-NL" dirty="0"/>
+              <a:t> </a:t>
+            </a:r>
+            <a:r>
+              <a:rPr lang="nl-NL" dirty="0" smtClean="0"/>
+              <a:t>		Swift 3.0 </a:t>
+            </a:r>
+            <a:r>
+              <a:rPr lang="nl-NL" dirty="0" err="1"/>
+              <a:t>announced</a:t>
+            </a:r>
+            <a:r>
+              <a:rPr lang="nl-NL" dirty="0"/>
+              <a:t> </a:t>
+            </a:r>
+            <a:endParaRPr lang="nl-NL" dirty="0" smtClean="0"/>
+          </a:p>
+          <a:p>
+            <a:pPr marL="342900" lvl="1" indent="-342900">
+              <a:lnSpc>
+                <a:spcPct val="100000"/>
+              </a:lnSpc>
+              <a:buFont typeface="Arial" charset="0"/>
+              <a:buChar char="•"/>
+            </a:pPr>
+            <a:endParaRPr lang="nl-NL" dirty="0"/>
+          </a:p>
+          <a:p>
+            <a:pPr marL="342900" lvl="1" indent="-342900">
+              <a:lnSpc>
+                <a:spcPct val="100000"/>
+              </a:lnSpc>
+              <a:buFont typeface="Arial" charset="0"/>
+              <a:buChar char="•"/>
+            </a:pPr>
+            <a:r>
+              <a:rPr lang="nl-NL" dirty="0" err="1" smtClean="0"/>
+              <a:t>Ported</a:t>
+            </a:r>
+            <a:r>
+              <a:rPr lang="nl-NL" dirty="0" smtClean="0"/>
+              <a:t> </a:t>
+            </a:r>
+            <a:r>
+              <a:rPr lang="nl-NL" dirty="0" err="1" smtClean="0"/>
+              <a:t>to</a:t>
+            </a:r>
+            <a:r>
+              <a:rPr lang="nl-NL" dirty="0" smtClean="0"/>
+              <a:t> 			</a:t>
+            </a:r>
+            <a:r>
+              <a:rPr lang="nl-NL" sz="1500" b="0" dirty="0" smtClean="0"/>
+              <a:t>Server Side, Linux, PS4, Windows, Android</a:t>
+            </a:r>
+          </a:p>
+          <a:p>
+            <a:pPr marL="342900" indent="-342900">
+              <a:lnSpc>
+                <a:spcPct val="100000"/>
+              </a:lnSpc>
+              <a:buFont typeface="Arial" charset="0"/>
+              <a:buChar char="•"/>
+            </a:pPr>
+            <a:endParaRPr lang="nl-NL" sz="2000" dirty="0" smtClean="0"/>
           </a:p>
         </p:txBody>
       </p:sp>
@@ -9845,6 +10198,129 @@
               <a:rPr lang="nl-NL" smtClean="0"/>
               <a:pPr/>
               <a:t>4</a:t>
+            </a:fld>
+            <a:endParaRPr lang="nl-NL" dirty="0"/>
+          </a:p>
+        </p:txBody>
+      </p:sp>
+      <p:sp>
+        <p:nvSpPr>
+          <p:cNvPr id="10" name="Footer Placeholder 9"/>
+          <p:cNvSpPr>
+            <a:spLocks noGrp="1"/>
+          </p:cNvSpPr>
+          <p:nvPr>
+            <p:ph type="ftr" sz="quarter" idx="11"/>
+          </p:nvPr>
+        </p:nvSpPr>
+        <p:spPr/>
+        <p:txBody>
+          <a:bodyPr/>
+          <a:lstStyle/>
+          <a:p>
+            <a:r>
+              <a:rPr lang="nl-NL" dirty="0" err="1"/>
+              <a:t>Coding</a:t>
+            </a:r>
+            <a:r>
+              <a:rPr lang="nl-NL" dirty="0"/>
+              <a:t> </a:t>
+            </a:r>
+            <a:r>
+              <a:rPr lang="nl-NL" dirty="0" err="1"/>
+              <a:t>Dojo</a:t>
+            </a:r>
+            <a:endParaRPr lang="nl-NL" dirty="0"/>
+          </a:p>
+        </p:txBody>
+      </p:sp>
+    </p:spTree>
+    <p:extLst>
+      <p:ext uri="{BB962C8B-B14F-4D97-AF65-F5344CB8AC3E}">
+        <p14:creationId xmlns:p14="http://schemas.microsoft.com/office/powerpoint/2010/main" val="1205707257"/>
+      </p:ext>
+    </p:extLst>
+  </p:cSld>
+  <p:clrMapOvr>
+    <a:masterClrMapping/>
+  </p:clrMapOvr>
+  <p:timing>
+    <p:tnLst>
+      <p:par>
+        <p:cTn id="1" dur="indefinite" restart="never" nodeType="tmRoot"/>
+      </p:par>
+    </p:tnLst>
+  </p:timing>
+</p:sld>
+</file>
+
+<file path=ppt/slides/slide5.xml><?xml version="1.0" encoding="utf-8"?>
+<p:sld xmlns:a="http://schemas.openxmlformats.org/drawingml/2006/main" xmlns:r="http://schemas.openxmlformats.org/officeDocument/2006/relationships" xmlns:p="http://schemas.openxmlformats.org/presentationml/2006/main">
+  <p:cSld>
+    <p:spTree>
+      <p:nvGrpSpPr>
+        <p:cNvPr id="1" name=""/>
+        <p:cNvGrpSpPr/>
+        <p:nvPr/>
+      </p:nvGrpSpPr>
+      <p:grpSpPr>
+        <a:xfrm>
+          <a:off x="0" y="0"/>
+          <a:ext cx="0" cy="0"/>
+          <a:chOff x="0" y="0"/>
+          <a:chExt cx="0" cy="0"/>
+        </a:xfrm>
+      </p:grpSpPr>
+      <p:sp>
+        <p:nvSpPr>
+          <p:cNvPr id="2" name="Title 1"/>
+          <p:cNvSpPr>
+            <a:spLocks noGrp="1"/>
+          </p:cNvSpPr>
+          <p:nvPr>
+            <p:ph type="title"/>
+          </p:nvPr>
+        </p:nvSpPr>
+        <p:spPr/>
+        <p:txBody>
+          <a:bodyPr/>
+          <a:lstStyle/>
+          <a:p>
+            <a:r>
+              <a:rPr lang="nl-NL" dirty="0"/>
+              <a:t>Syntax in </a:t>
+            </a:r>
+            <a:r>
+              <a:rPr lang="nl-NL" dirty="0" err="1" smtClean="0"/>
+              <a:t>Playground</a:t>
+            </a:r>
+            <a:r>
+              <a:rPr lang="nl-NL" dirty="0" smtClean="0"/>
+              <a:t>.</a:t>
+            </a:r>
+            <a:endParaRPr lang="nl-NL" dirty="0"/>
+          </a:p>
+        </p:txBody>
+      </p:sp>
+      <p:sp>
+        <p:nvSpPr>
+          <p:cNvPr id="9" name="Slide Number Placeholder 8"/>
+          <p:cNvSpPr>
+            <a:spLocks noGrp="1"/>
+          </p:cNvSpPr>
+          <p:nvPr>
+            <p:ph type="sldNum" sz="quarter" idx="10"/>
+          </p:nvPr>
+        </p:nvSpPr>
+        <p:spPr/>
+        <p:txBody>
+          <a:bodyPr/>
+          <a:lstStyle/>
+          <a:p>
+            <a:fld id="{4EACBA47-91FC-4F0F-98EF-AF8B449ABA17}" type="slidenum">
+              <a:rPr lang="nl-NL" smtClean="0"/>
+              <a:pPr/>
+              <a:t>5</a:t>
             </a:fld>
             <a:endParaRPr lang="nl-NL" dirty="0"/>
           </a:p>
@@ -10052,7 +10528,7 @@
 </p:sld>
 </file>
 
-<file path=ppt/slides/slide5.xml><?xml version="1.0" encoding="utf-8"?>
+<file path=ppt/slides/slide6.xml><?xml version="1.0" encoding="utf-8"?>
 <p:sld xmlns:a="http://schemas.openxmlformats.org/drawingml/2006/main" xmlns:r="http://schemas.openxmlformats.org/officeDocument/2006/relationships" xmlns:p="http://schemas.openxmlformats.org/presentationml/2006/main">
   <p:cSld>
     <p:spTree>
@@ -10092,7 +10568,6 @@
               <a:rPr lang="nl-NL" dirty="0"/>
               <a:t>.</a:t>
             </a:r>
-            <a:endParaRPr lang="nl-NL" dirty="0"/>
           </a:p>
         </p:txBody>
       </p:sp>
@@ -10114,7 +10589,7 @@
             <a:fld id="{4EACBA47-91FC-4F0F-98EF-AF8B449ABA17}" type="slidenum">
               <a:rPr lang="nl-NL" smtClean="0"/>
               <a:pPr/>
-              <a:t>5</a:t>
+              <a:t>6</a:t>
             </a:fld>
             <a:endParaRPr lang="nl-NL" dirty="0"/>
           </a:p>
@@ -10322,7 +10797,7 @@
 </p:sld>
 </file>
 
-<file path=ppt/slides/slide6.xml><?xml version="1.0" encoding="utf-8"?>
+<file path=ppt/slides/slide7.xml><?xml version="1.0" encoding="utf-8"?>
 <p:sld xmlns:a="http://schemas.openxmlformats.org/drawingml/2006/main" xmlns:r="http://schemas.openxmlformats.org/officeDocument/2006/relationships" xmlns:p="http://schemas.openxmlformats.org/presentationml/2006/main">
   <p:cSld>
     <p:spTree>
@@ -10499,6 +10974,28 @@
               <a:buFont typeface="Arial" charset="0"/>
               <a:buChar char="•"/>
             </a:pPr>
+            <a:r>
+              <a:rPr lang="nl-NL" sz="2000" dirty="0">
+                <a:hlinkClick r:id="rId8"/>
+              </a:rPr>
+              <a:t>https://swiftlang.ng.bluemix.net/#/</a:t>
+            </a:r>
+            <a:r>
+              <a:rPr lang="nl-NL" sz="2000" dirty="0" smtClean="0">
+                <a:hlinkClick r:id="rId8"/>
+              </a:rPr>
+              <a:t>repl</a:t>
+            </a:r>
+            <a:endParaRPr lang="nl-NL" sz="2000" dirty="0" smtClean="0"/>
+          </a:p>
+          <a:p>
+            <a:pPr marL="342900" indent="-342900">
+              <a:lnSpc>
+                <a:spcPct val="100000"/>
+              </a:lnSpc>
+              <a:buFont typeface="Arial" charset="0"/>
+              <a:buChar char="•"/>
+            </a:pPr>
             <a:endParaRPr lang="nl-NL" sz="2000" dirty="0" smtClean="0"/>
           </a:p>
         </p:txBody>
@@ -10521,7 +11018,7 @@
             <a:fld id="{4EACBA47-91FC-4F0F-98EF-AF8B449ABA17}" type="slidenum">
               <a:rPr lang="nl-NL" smtClean="0"/>
               <a:pPr/>
-              <a:t>6</a:t>
+              <a:t>7</a:t>
             </a:fld>
             <a:endParaRPr lang="nl-NL" dirty="0"/>
           </a:p>
@@ -10558,10 +11055,41 @@
           </a:p>
         </p:txBody>
       </p:sp>
+      <p:sp>
+        <p:nvSpPr>
+          <p:cNvPr id="4" name="TextBox 3"/>
+          <p:cNvSpPr txBox="1"/>
+          <p:nvPr/>
+        </p:nvSpPr>
+        <p:spPr>
+          <a:xfrm>
+            <a:off x="5346700" y="-2247900"/>
+            <a:ext cx="914400" cy="914400"/>
+          </a:xfrm>
+          <a:prstGeom prst="rect">
+            <a:avLst/>
+          </a:prstGeom>
+          <a:noFill/>
+        </p:spPr>
+        <p:txBody>
+          <a:bodyPr wrap="none" lIns="36000" tIns="36000" rIns="36000" bIns="36000" rtlCol="0">
+            <a:noAutofit/>
+          </a:bodyPr>
+          <a:lstStyle/>
+          <a:p>
+            <a:pPr>
+              <a:lnSpc>
+                <a:spcPts val="2400"/>
+              </a:lnSpc>
+            </a:pPr>
+            <a:endParaRPr lang="en-US" dirty="0" err="1" smtClean="0"/>
+          </a:p>
+        </p:txBody>
+      </p:sp>
     </p:spTree>
     <p:extLst>
       <p:ext uri="{BB962C8B-B14F-4D97-AF65-F5344CB8AC3E}">
-        <p14:creationId xmlns:p14="http://schemas.microsoft.com/office/powerpoint/2010/main" val="2106025986"/>
+        <p14:creationId xmlns:p14="http://schemas.microsoft.com/office/powerpoint/2010/main" val="966575975"/>
       </p:ext>
     </p:extLst>
   </p:cSld>
@@ -10578,7 +11106,7 @@
 </p:sld>
 </file>
 
-<file path=ppt/slides/slide7.xml><?xml version="1.0" encoding="utf-8"?>
+<file path=ppt/slides/slide8.xml><?xml version="1.0" encoding="utf-8"?>
 <p:sld xmlns:a="http://schemas.openxmlformats.org/drawingml/2006/main" xmlns:r="http://schemas.openxmlformats.org/officeDocument/2006/relationships" xmlns:p="http://schemas.openxmlformats.org/presentationml/2006/main">
   <p:cSld>
     <p:spTree>

--- a/Intro/intro.pptx
+++ b/Intro/intro.pptx
@@ -261,7 +261,7 @@
             <a:fld id="{11263177-940D-4B97-A051-92805C7C3152}" type="datetimeFigureOut">
               <a:rPr lang="en-US" smtClean="0"/>
               <a:pPr/>
-              <a:t>9/8/16</a:t>
+              <a:t>9/16/16</a:t>
             </a:fld>
             <a:endParaRPr lang="en-US"/>
           </a:p>
@@ -428,7 +428,7 @@
             <a:fld id="{F138B54E-4A02-452E-ADC8-FC4AE631CF37}" type="datetimeFigureOut">
               <a:rPr lang="en-US" smtClean="0"/>
               <a:pPr/>
-              <a:t>9/8/16</a:t>
+              <a:t>9/16/16</a:t>
             </a:fld>
             <a:endParaRPr lang="en-US"/>
           </a:p>
@@ -9233,7 +9233,31 @@
                   <a:srgbClr val="353535"/>
                 </a:solidFill>
               </a:rPr>
-              <a:t>Vianen, 08 September 2016</a:t>
+              <a:t>Eindhoven, </a:t>
+            </a:r>
+            <a:r>
+              <a:rPr lang="nl-NL" dirty="0" smtClean="0">
+                <a:solidFill>
+                  <a:srgbClr val="353535"/>
+                </a:solidFill>
+              </a:rPr>
+              <a:t>16</a:t>
+            </a:r>
+            <a:r>
+              <a:rPr lang="nl-NL" dirty="0" smtClean="0">
+                <a:solidFill>
+                  <a:srgbClr val="353535"/>
+                </a:solidFill>
+              </a:rPr>
+              <a:t> </a:t>
+            </a:r>
+            <a:r>
+              <a:rPr lang="nl-NL" dirty="0" smtClean="0">
+                <a:solidFill>
+                  <a:srgbClr val="353535"/>
+                </a:solidFill>
+              </a:rPr>
+              <a:t>September 2016</a:t>
             </a:r>
             <a:endParaRPr lang="nl-NL" dirty="0">
               <a:solidFill>
